--- a/Prez.pptx
+++ b/Prez.pptx
@@ -119,14 +119,6 @@
     </p:ext>
   </p:extLst>
 </p:presentation>
-</file>
-
-<file path=ppt/revisionInfo.xml><?xml version="1.0" encoding="utf-8"?>
-<p1510:revInfo xmlns:a="http://schemas.openxmlformats.org/drawingml/2006/main" xmlns:r="http://schemas.openxmlformats.org/officeDocument/2006/relationships" xmlns:p1510="http://schemas.microsoft.com/office/powerpoint/2015/10/main">
-  <p1510:revLst>
-    <p1510:client id="{F9952D5D-855A-4518-8BEB-131F98538371}" v="30" dt="2020-04-23T18:55:04.938"/>
-  </p1510:revLst>
-</p1510:revInfo>
 </file>
 
 <file path=ppt/changesInfos/changesInfo1.xml><?xml version="1.0" encoding="utf-8"?>
@@ -1165,6 +1157,30 @@
             <ac:graphicFrameMk id="6" creationId="{C194A661-10A4-4574-B635-718921646C50}"/>
           </ac:graphicFrameMkLst>
         </pc:graphicFrameChg>
+      </pc:sldChg>
+    </pc:docChg>
+  </pc:docChgLst>
+  <pc:docChgLst>
+    <pc:chgData name="louis dumas" userId="49ac7bc9f2fe372f" providerId="LiveId" clId="{FB9FF18E-258E-4632-B452-B3A03CBFF003}"/>
+    <pc:docChg chg="custSel modSld">
+      <pc:chgData name="louis dumas" userId="49ac7bc9f2fe372f" providerId="LiveId" clId="{FB9FF18E-258E-4632-B452-B3A03CBFF003}" dt="2020-11-01T14:21:28.076" v="2" actId="27636"/>
+      <pc:docMkLst>
+        <pc:docMk/>
+      </pc:docMkLst>
+      <pc:sldChg chg="modSp mod">
+        <pc:chgData name="louis dumas" userId="49ac7bc9f2fe372f" providerId="LiveId" clId="{FB9FF18E-258E-4632-B452-B3A03CBFF003}" dt="2020-11-01T14:21:28.076" v="2" actId="27636"/>
+        <pc:sldMkLst>
+          <pc:docMk/>
+          <pc:sldMk cId="3784089036" sldId="256"/>
+        </pc:sldMkLst>
+        <pc:spChg chg="mod">
+          <ac:chgData name="louis dumas" userId="49ac7bc9f2fe372f" providerId="LiveId" clId="{FB9FF18E-258E-4632-B452-B3A03CBFF003}" dt="2020-11-01T14:21:28.076" v="2" actId="27636"/>
+          <ac:spMkLst>
+            <pc:docMk/>
+            <pc:sldMk cId="3784089036" sldId="256"/>
+            <ac:spMk id="3" creationId="{00000000-0000-0000-0000-000000000000}"/>
+          </ac:spMkLst>
+        </pc:spChg>
       </pc:sldChg>
     </pc:docChg>
   </pc:docChgLst>
@@ -5606,7 +5622,7 @@
             <a:fld id="{B61BEF0D-F0BB-DE4B-95CE-6DB70DBA9567}" type="datetimeFigureOut">
               <a:rPr lang="en-US" dirty="0"/>
               <a:pPr/>
-              <a:t>4/23/2020</a:t>
+              <a:t>11/1/2020</a:t>
             </a:fld>
             <a:endParaRPr lang="en-US" dirty="0"/>
           </a:p>
@@ -5858,7 +5874,7 @@
             <a:fld id="{B61BEF0D-F0BB-DE4B-95CE-6DB70DBA9567}" type="datetimeFigureOut">
               <a:rPr lang="en-US" dirty="0"/>
               <a:pPr/>
-              <a:t>4/23/2020</a:t>
+              <a:t>11/1/2020</a:t>
             </a:fld>
             <a:endParaRPr lang="en-US" dirty="0"/>
           </a:p>
@@ -6173,7 +6189,7 @@
             <a:fld id="{B61BEF0D-F0BB-DE4B-95CE-6DB70DBA9567}" type="datetimeFigureOut">
               <a:rPr lang="en-US" dirty="0"/>
               <a:pPr/>
-              <a:t>4/23/2020</a:t>
+              <a:t>11/1/2020</a:t>
             </a:fld>
             <a:endParaRPr lang="en-US" dirty="0"/>
           </a:p>
@@ -6507,7 +6523,7 @@
             <a:fld id="{B61BEF0D-F0BB-DE4B-95CE-6DB70DBA9567}" type="datetimeFigureOut">
               <a:rPr lang="en-US" dirty="0"/>
               <a:pPr/>
-              <a:t>4/23/2020</a:t>
+              <a:t>11/1/2020</a:t>
             </a:fld>
             <a:endParaRPr lang="en-US" dirty="0"/>
           </a:p>
@@ -6822,7 +6838,7 @@
             <a:fld id="{B61BEF0D-F0BB-DE4B-95CE-6DB70DBA9567}" type="datetimeFigureOut">
               <a:rPr lang="en-US" dirty="0"/>
               <a:pPr/>
-              <a:t>4/23/2020</a:t>
+              <a:t>11/1/2020</a:t>
             </a:fld>
             <a:endParaRPr lang="en-US" dirty="0"/>
           </a:p>
@@ -7216,7 +7232,7 @@
             <a:fld id="{B61BEF0D-F0BB-DE4B-95CE-6DB70DBA9567}" type="datetimeFigureOut">
               <a:rPr lang="en-US" dirty="0"/>
               <a:pPr/>
-              <a:t>4/23/2020</a:t>
+              <a:t>11/1/2020</a:t>
             </a:fld>
             <a:endParaRPr lang="en-US" dirty="0"/>
           </a:p>
@@ -7385,7 +7401,7 @@
           <a:p>
             <a:fld id="{55C6B4A9-1611-4792-9094-5F34BCA07E0B}" type="datetimeFigureOut">
               <a:rPr lang="en-US" dirty="0"/>
-              <a:t>4/23/2020</a:t>
+              <a:t>11/1/2020</a:t>
             </a:fld>
             <a:endParaRPr lang="en-US" dirty="0"/>
           </a:p>
@@ -7564,7 +7580,7 @@
             <a:fld id="{B61BEF0D-F0BB-DE4B-95CE-6DB70DBA9567}" type="datetimeFigureOut">
               <a:rPr lang="en-US" dirty="0"/>
               <a:pPr/>
-              <a:t>4/23/2020</a:t>
+              <a:t>11/1/2020</a:t>
             </a:fld>
             <a:endParaRPr lang="en-US" dirty="0"/>
           </a:p>
@@ -7733,7 +7749,7 @@
           <a:p>
             <a:fld id="{42A54C80-263E-416B-A8E0-580EDEADCBDC}" type="datetimeFigureOut">
               <a:rPr lang="en-US" dirty="0"/>
-              <a:t>4/23/2020</a:t>
+              <a:t>11/1/2020</a:t>
             </a:fld>
             <a:endParaRPr lang="en-US" dirty="0"/>
           </a:p>
@@ -7980,7 +7996,7 @@
             <a:fld id="{B61BEF0D-F0BB-DE4B-95CE-6DB70DBA9567}" type="datetimeFigureOut">
               <a:rPr lang="en-US" dirty="0"/>
               <a:pPr/>
-              <a:t>4/23/2020</a:t>
+              <a:t>11/1/2020</a:t>
             </a:fld>
             <a:endParaRPr lang="en-US" dirty="0"/>
           </a:p>
@@ -8210,7 +8226,7 @@
           <a:p>
             <a:fld id="{42A54C80-263E-416B-A8E0-580EDEADCBDC}" type="datetimeFigureOut">
               <a:rPr lang="en-US" dirty="0"/>
-              <a:t>4/23/2020</a:t>
+              <a:t>11/1/2020</a:t>
             </a:fld>
             <a:endParaRPr lang="en-US" dirty="0"/>
           </a:p>
@@ -8582,7 +8598,7 @@
             <a:fld id="{B61BEF0D-F0BB-DE4B-95CE-6DB70DBA9567}" type="datetimeFigureOut">
               <a:rPr lang="en-US" dirty="0"/>
               <a:pPr/>
-              <a:t>4/23/2020</a:t>
+              <a:t>11/1/2020</a:t>
             </a:fld>
             <a:endParaRPr lang="en-US" dirty="0"/>
           </a:p>
@@ -8706,7 +8722,7 @@
             <a:fld id="{B61BEF0D-F0BB-DE4B-95CE-6DB70DBA9567}" type="datetimeFigureOut">
               <a:rPr lang="en-US" dirty="0"/>
               <a:pPr/>
-              <a:t>4/23/2020</a:t>
+              <a:t>11/1/2020</a:t>
             </a:fld>
             <a:endParaRPr lang="en-US" dirty="0"/>
           </a:p>
@@ -8803,7 +8819,7 @@
             <a:fld id="{B61BEF0D-F0BB-DE4B-95CE-6DB70DBA9567}" type="datetimeFigureOut">
               <a:rPr lang="en-US" dirty="0"/>
               <a:pPr/>
-              <a:t>4/23/2020</a:t>
+              <a:t>11/1/2020</a:t>
             </a:fld>
             <a:endParaRPr lang="en-US" dirty="0"/>
           </a:p>
@@ -9057,7 +9073,7 @@
           <a:p>
             <a:fld id="{42A54C80-263E-416B-A8E0-580EDEADCBDC}" type="datetimeFigureOut">
               <a:rPr lang="en-US" dirty="0"/>
-              <a:t>4/23/2020</a:t>
+              <a:t>11/1/2020</a:t>
             </a:fld>
             <a:endParaRPr lang="en-US" dirty="0"/>
           </a:p>
@@ -9359,7 +9375,7 @@
             <a:fld id="{B61BEF0D-F0BB-DE4B-95CE-6DB70DBA9567}" type="datetimeFigureOut">
               <a:rPr lang="en-US" dirty="0"/>
               <a:pPr/>
-              <a:t>4/23/2020</a:t>
+              <a:t>11/1/2020</a:t>
             </a:fld>
             <a:endParaRPr lang="en-US" dirty="0"/>
           </a:p>
@@ -10060,7 +10076,7 @@
             <a:fld id="{B61BEF0D-F0BB-DE4B-95CE-6DB70DBA9567}" type="datetimeFigureOut">
               <a:rPr lang="en-US" dirty="0"/>
               <a:pPr/>
-              <a:t>4/23/2020</a:t>
+              <a:t>11/1/2020</a:t>
             </a:fld>
             <a:endParaRPr lang="en-US" dirty="0"/>
           </a:p>
@@ -11286,31 +11302,59 @@
         </p:spPr>
         <p:txBody>
           <a:bodyPr>
-            <a:normAutofit/>
+            <a:normAutofit lnSpcReduction="10000"/>
           </a:bodyPr>
           <a:lstStyle/>
           <a:p>
             <a:r>
-              <a:rPr lang="de-DE">
+              <a:rPr lang="de-DE" dirty="0">
                 <a:solidFill>
                   <a:schemeClr val="tx1"/>
                 </a:solidFill>
               </a:rPr>
-              <a:t>Dumas louis-auguste</a:t>
-            </a:r>
-          </a:p>
-          <a:p>
-            <a:r>
-              <a:rPr lang="de-DE">
+              <a:t>Dumas louis-</a:t>
+            </a:r>
+            <a:r>
+              <a:rPr lang="de-DE" dirty="0" err="1">
                 <a:solidFill>
                   <a:schemeClr val="tx1"/>
                 </a:solidFill>
-                <a:ea typeface="+mn-lt"/>
-                <a:cs typeface="+mn-lt"/>
               </a:rPr>
-              <a:t>Armand Larzilliere</a:t>
-            </a:r>
-            <a:endParaRPr lang="de-DE">
+              <a:t>auguste</a:t>
+            </a:r>
+            <a:endParaRPr lang="de-DE" dirty="0">
+              <a:solidFill>
+                <a:schemeClr val="tx1"/>
+              </a:solidFill>
+            </a:endParaRPr>
+          </a:p>
+          <a:p>
+            <a:r>
+              <a:rPr lang="fr-FR" dirty="0">
+                <a:solidFill>
+                  <a:schemeClr val="tx1"/>
+                </a:solidFill>
+              </a:rPr>
+              <a:t>Delerue Thibault</a:t>
+            </a:r>
+          </a:p>
+          <a:p>
+            <a:r>
+              <a:rPr lang="fr-FR" dirty="0">
+                <a:solidFill>
+                  <a:schemeClr val="tx1"/>
+                </a:solidFill>
+              </a:rPr>
+              <a:t>Levacher Leo</a:t>
+            </a:r>
+            <a:endParaRPr lang="de-DE" dirty="0">
+              <a:solidFill>
+                <a:schemeClr val="tx1"/>
+              </a:solidFill>
+            </a:endParaRPr>
+          </a:p>
+          <a:p>
+            <a:endParaRPr lang="de-DE" dirty="0">
               <a:solidFill>
                 <a:schemeClr val="tx1"/>
               </a:solidFill>
